--- a/data/ott 사진자료.pptx
+++ b/data/ott 사진자료.pptx
@@ -21,6 +21,9 @@
     <p:sldId id="270" r:id="rId15"/>
     <p:sldId id="271" r:id="rId16"/>
     <p:sldId id="272" r:id="rId17"/>
+    <p:sldId id="273" r:id="rId18"/>
+    <p:sldId id="274" r:id="rId19"/>
+    <p:sldId id="275" r:id="rId20"/>
   </p:sldIdLst>
   <p:sldSz cx="12192000" cy="6858000"/>
   <p:notesSz cx="6858000" cy="9144000"/>
@@ -285,7 +288,7 @@
           <a:p>
             <a:fld id="{DC7722E0-DBAF-41AB-A48E-41897003609A}" type="datetimeFigureOut">
               <a:rPr lang="ko-KR" altLang="en-US" smtClean="0"/>
-              <a:t>2021-04-13</a:t>
+              <a:t>2021-04-19</a:t>
             </a:fld>
             <a:endParaRPr lang="ko-KR" altLang="en-US"/>
           </a:p>
@@ -483,7 +486,7 @@
           <a:p>
             <a:fld id="{DC7722E0-DBAF-41AB-A48E-41897003609A}" type="datetimeFigureOut">
               <a:rPr lang="ko-KR" altLang="en-US" smtClean="0"/>
-              <a:t>2021-04-13</a:t>
+              <a:t>2021-04-19</a:t>
             </a:fld>
             <a:endParaRPr lang="ko-KR" altLang="en-US"/>
           </a:p>
@@ -691,7 +694,7 @@
           <a:p>
             <a:fld id="{DC7722E0-DBAF-41AB-A48E-41897003609A}" type="datetimeFigureOut">
               <a:rPr lang="ko-KR" altLang="en-US" smtClean="0"/>
-              <a:t>2021-04-13</a:t>
+              <a:t>2021-04-19</a:t>
             </a:fld>
             <a:endParaRPr lang="ko-KR" altLang="en-US"/>
           </a:p>
@@ -889,7 +892,7 @@
           <a:p>
             <a:fld id="{DC7722E0-DBAF-41AB-A48E-41897003609A}" type="datetimeFigureOut">
               <a:rPr lang="ko-KR" altLang="en-US" smtClean="0"/>
-              <a:t>2021-04-13</a:t>
+              <a:t>2021-04-19</a:t>
             </a:fld>
             <a:endParaRPr lang="ko-KR" altLang="en-US"/>
           </a:p>
@@ -1164,7 +1167,7 @@
           <a:p>
             <a:fld id="{DC7722E0-DBAF-41AB-A48E-41897003609A}" type="datetimeFigureOut">
               <a:rPr lang="ko-KR" altLang="en-US" smtClean="0"/>
-              <a:t>2021-04-13</a:t>
+              <a:t>2021-04-19</a:t>
             </a:fld>
             <a:endParaRPr lang="ko-KR" altLang="en-US"/>
           </a:p>
@@ -1429,7 +1432,7 @@
           <a:p>
             <a:fld id="{DC7722E0-DBAF-41AB-A48E-41897003609A}" type="datetimeFigureOut">
               <a:rPr lang="ko-KR" altLang="en-US" smtClean="0"/>
-              <a:t>2021-04-13</a:t>
+              <a:t>2021-04-19</a:t>
             </a:fld>
             <a:endParaRPr lang="ko-KR" altLang="en-US"/>
           </a:p>
@@ -1841,7 +1844,7 @@
           <a:p>
             <a:fld id="{DC7722E0-DBAF-41AB-A48E-41897003609A}" type="datetimeFigureOut">
               <a:rPr lang="ko-KR" altLang="en-US" smtClean="0"/>
-              <a:t>2021-04-13</a:t>
+              <a:t>2021-04-19</a:t>
             </a:fld>
             <a:endParaRPr lang="ko-KR" altLang="en-US"/>
           </a:p>
@@ -1982,7 +1985,7 @@
           <a:p>
             <a:fld id="{DC7722E0-DBAF-41AB-A48E-41897003609A}" type="datetimeFigureOut">
               <a:rPr lang="ko-KR" altLang="en-US" smtClean="0"/>
-              <a:t>2021-04-13</a:t>
+              <a:t>2021-04-19</a:t>
             </a:fld>
             <a:endParaRPr lang="ko-KR" altLang="en-US"/>
           </a:p>
@@ -2095,7 +2098,7 @@
           <a:p>
             <a:fld id="{DC7722E0-DBAF-41AB-A48E-41897003609A}" type="datetimeFigureOut">
               <a:rPr lang="ko-KR" altLang="en-US" smtClean="0"/>
-              <a:t>2021-04-13</a:t>
+              <a:t>2021-04-19</a:t>
             </a:fld>
             <a:endParaRPr lang="ko-KR" altLang="en-US"/>
           </a:p>
@@ -2406,7 +2409,7 @@
           <a:p>
             <a:fld id="{DC7722E0-DBAF-41AB-A48E-41897003609A}" type="datetimeFigureOut">
               <a:rPr lang="ko-KR" altLang="en-US" smtClean="0"/>
-              <a:t>2021-04-13</a:t>
+              <a:t>2021-04-19</a:t>
             </a:fld>
             <a:endParaRPr lang="ko-KR" altLang="en-US"/>
           </a:p>
@@ -2694,7 +2697,7 @@
           <a:p>
             <a:fld id="{DC7722E0-DBAF-41AB-A48E-41897003609A}" type="datetimeFigureOut">
               <a:rPr lang="ko-KR" altLang="en-US" smtClean="0"/>
-              <a:t>2021-04-13</a:t>
+              <a:t>2021-04-19</a:t>
             </a:fld>
             <a:endParaRPr lang="ko-KR" altLang="en-US"/>
           </a:p>
@@ -2935,7 +2938,7 @@
           <a:p>
             <a:fld id="{DC7722E0-DBAF-41AB-A48E-41897003609A}" type="datetimeFigureOut">
               <a:rPr lang="ko-KR" altLang="en-US" smtClean="0"/>
-              <a:t>2021-04-13</a:t>
+              <a:t>2021-04-19</a:t>
             </a:fld>
             <a:endParaRPr lang="ko-KR" altLang="en-US"/>
           </a:p>
@@ -3975,6 +3978,186 @@
     <p:extLst>
       <p:ext uri="{BB962C8B-B14F-4D97-AF65-F5344CB8AC3E}">
         <p14:creationId xmlns:p14="http://schemas.microsoft.com/office/powerpoint/2010/main" val="3453450139"/>
+      </p:ext>
+    </p:extLst>
+  </p:cSld>
+  <p:clrMapOvr>
+    <a:masterClrMapping/>
+  </p:clrMapOvr>
+</p:sld>
+</file>
+
+<file path=ppt/slides/slide17.xml><?xml version="1.0" encoding="utf-8"?>
+<p:sld xmlns:a="http://schemas.openxmlformats.org/drawingml/2006/main" xmlns:r="http://schemas.openxmlformats.org/officeDocument/2006/relationships" xmlns:p="http://schemas.openxmlformats.org/presentationml/2006/main">
+  <p:cSld>
+    <p:spTree>
+      <p:nvGrpSpPr>
+        <p:cNvPr id="1" name=""/>
+        <p:cNvGrpSpPr/>
+        <p:nvPr/>
+      </p:nvGrpSpPr>
+      <p:grpSpPr>
+        <a:xfrm>
+          <a:off x="0" y="0"/>
+          <a:ext cx="0" cy="0"/>
+          <a:chOff x="0" y="0"/>
+          <a:chExt cx="0" cy="0"/>
+        </a:xfrm>
+      </p:grpSpPr>
+      <p:pic>
+        <p:nvPicPr>
+          <p:cNvPr id="3" name="그림 2">
+            <a:extLst>
+              <a:ext uri="{FF2B5EF4-FFF2-40B4-BE49-F238E27FC236}">
+                <a16:creationId xmlns:a16="http://schemas.microsoft.com/office/drawing/2014/main" id="{FA3E4871-ADFC-4CFA-831C-C10D7BD1273B}"/>
+              </a:ext>
+            </a:extLst>
+          </p:cNvPr>
+          <p:cNvPicPr>
+            <a:picLocks noChangeAspect="1"/>
+          </p:cNvPicPr>
+          <p:nvPr/>
+        </p:nvPicPr>
+        <p:blipFill>
+          <a:blip r:embed="rId2"/>
+          <a:stretch>
+            <a:fillRect/>
+          </a:stretch>
+        </p:blipFill>
+        <p:spPr>
+          <a:xfrm>
+            <a:off x="3376893" y="0"/>
+            <a:ext cx="5438213" cy="6858000"/>
+          </a:xfrm>
+          <a:prstGeom prst="rect">
+            <a:avLst/>
+          </a:prstGeom>
+        </p:spPr>
+      </p:pic>
+    </p:spTree>
+    <p:extLst>
+      <p:ext uri="{BB962C8B-B14F-4D97-AF65-F5344CB8AC3E}">
+        <p14:creationId xmlns:p14="http://schemas.microsoft.com/office/powerpoint/2010/main" val="618997482"/>
+      </p:ext>
+    </p:extLst>
+  </p:cSld>
+  <p:clrMapOvr>
+    <a:masterClrMapping/>
+  </p:clrMapOvr>
+</p:sld>
+</file>
+
+<file path=ppt/slides/slide18.xml><?xml version="1.0" encoding="utf-8"?>
+<p:sld xmlns:a="http://schemas.openxmlformats.org/drawingml/2006/main" xmlns:r="http://schemas.openxmlformats.org/officeDocument/2006/relationships" xmlns:p="http://schemas.openxmlformats.org/presentationml/2006/main">
+  <p:cSld>
+    <p:spTree>
+      <p:nvGrpSpPr>
+        <p:cNvPr id="1" name=""/>
+        <p:cNvGrpSpPr/>
+        <p:nvPr/>
+      </p:nvGrpSpPr>
+      <p:grpSpPr>
+        <a:xfrm>
+          <a:off x="0" y="0"/>
+          <a:ext cx="0" cy="0"/>
+          <a:chOff x="0" y="0"/>
+          <a:chExt cx="0" cy="0"/>
+        </a:xfrm>
+      </p:grpSpPr>
+      <p:pic>
+        <p:nvPicPr>
+          <p:cNvPr id="3" name="그림 2">
+            <a:extLst>
+              <a:ext uri="{FF2B5EF4-FFF2-40B4-BE49-F238E27FC236}">
+                <a16:creationId xmlns:a16="http://schemas.microsoft.com/office/drawing/2014/main" id="{3CA3B36B-8F09-4E73-8D48-D7BD9FE2E483}"/>
+              </a:ext>
+            </a:extLst>
+          </p:cNvPr>
+          <p:cNvPicPr>
+            <a:picLocks noChangeAspect="1"/>
+          </p:cNvPicPr>
+          <p:nvPr/>
+        </p:nvPicPr>
+        <p:blipFill>
+          <a:blip r:embed="rId2"/>
+          <a:stretch>
+            <a:fillRect/>
+          </a:stretch>
+        </p:blipFill>
+        <p:spPr>
+          <a:xfrm>
+            <a:off x="3038475" y="1323975"/>
+            <a:ext cx="6115050" cy="4210050"/>
+          </a:xfrm>
+          <a:prstGeom prst="rect">
+            <a:avLst/>
+          </a:prstGeom>
+        </p:spPr>
+      </p:pic>
+    </p:spTree>
+    <p:extLst>
+      <p:ext uri="{BB962C8B-B14F-4D97-AF65-F5344CB8AC3E}">
+        <p14:creationId xmlns:p14="http://schemas.microsoft.com/office/powerpoint/2010/main" val="800370307"/>
+      </p:ext>
+    </p:extLst>
+  </p:cSld>
+  <p:clrMapOvr>
+    <a:masterClrMapping/>
+  </p:clrMapOvr>
+</p:sld>
+</file>
+
+<file path=ppt/slides/slide19.xml><?xml version="1.0" encoding="utf-8"?>
+<p:sld xmlns:a="http://schemas.openxmlformats.org/drawingml/2006/main" xmlns:r="http://schemas.openxmlformats.org/officeDocument/2006/relationships" xmlns:p="http://schemas.openxmlformats.org/presentationml/2006/main">
+  <p:cSld>
+    <p:spTree>
+      <p:nvGrpSpPr>
+        <p:cNvPr id="1" name=""/>
+        <p:cNvGrpSpPr/>
+        <p:nvPr/>
+      </p:nvGrpSpPr>
+      <p:grpSpPr>
+        <a:xfrm>
+          <a:off x="0" y="0"/>
+          <a:ext cx="0" cy="0"/>
+          <a:chOff x="0" y="0"/>
+          <a:chExt cx="0" cy="0"/>
+        </a:xfrm>
+      </p:grpSpPr>
+      <p:pic>
+        <p:nvPicPr>
+          <p:cNvPr id="3" name="그림 2">
+            <a:extLst>
+              <a:ext uri="{FF2B5EF4-FFF2-40B4-BE49-F238E27FC236}">
+                <a16:creationId xmlns:a16="http://schemas.microsoft.com/office/drawing/2014/main" id="{A7ECBFD1-6B03-4660-AF1F-74A9D015D5F0}"/>
+              </a:ext>
+            </a:extLst>
+          </p:cNvPr>
+          <p:cNvPicPr>
+            <a:picLocks noChangeAspect="1"/>
+          </p:cNvPicPr>
+          <p:nvPr/>
+        </p:nvPicPr>
+        <p:blipFill>
+          <a:blip r:embed="rId2"/>
+          <a:stretch>
+            <a:fillRect/>
+          </a:stretch>
+        </p:blipFill>
+        <p:spPr>
+          <a:xfrm>
+            <a:off x="3933825" y="361950"/>
+            <a:ext cx="4324350" cy="6134100"/>
+          </a:xfrm>
+          <a:prstGeom prst="rect">
+            <a:avLst/>
+          </a:prstGeom>
+        </p:spPr>
+      </p:pic>
+    </p:spTree>
+    <p:extLst>
+      <p:ext uri="{BB962C8B-B14F-4D97-AF65-F5344CB8AC3E}">
+        <p14:creationId xmlns:p14="http://schemas.microsoft.com/office/powerpoint/2010/main" val="3666126830"/>
       </p:ext>
     </p:extLst>
   </p:cSld>

--- a/data/ott 사진자료.pptx
+++ b/data/ott 사진자료.pptx
@@ -288,7 +288,7 @@
           <a:p>
             <a:fld id="{DC7722E0-DBAF-41AB-A48E-41897003609A}" type="datetimeFigureOut">
               <a:rPr lang="ko-KR" altLang="en-US" smtClean="0"/>
-              <a:t>2021-04-19</a:t>
+              <a:t>2021-04-23</a:t>
             </a:fld>
             <a:endParaRPr lang="ko-KR" altLang="en-US"/>
           </a:p>
@@ -486,7 +486,7 @@
           <a:p>
             <a:fld id="{DC7722E0-DBAF-41AB-A48E-41897003609A}" type="datetimeFigureOut">
               <a:rPr lang="ko-KR" altLang="en-US" smtClean="0"/>
-              <a:t>2021-04-19</a:t>
+              <a:t>2021-04-23</a:t>
             </a:fld>
             <a:endParaRPr lang="ko-KR" altLang="en-US"/>
           </a:p>
@@ -694,7 +694,7 @@
           <a:p>
             <a:fld id="{DC7722E0-DBAF-41AB-A48E-41897003609A}" type="datetimeFigureOut">
               <a:rPr lang="ko-KR" altLang="en-US" smtClean="0"/>
-              <a:t>2021-04-19</a:t>
+              <a:t>2021-04-23</a:t>
             </a:fld>
             <a:endParaRPr lang="ko-KR" altLang="en-US"/>
           </a:p>
@@ -892,7 +892,7 @@
           <a:p>
             <a:fld id="{DC7722E0-DBAF-41AB-A48E-41897003609A}" type="datetimeFigureOut">
               <a:rPr lang="ko-KR" altLang="en-US" smtClean="0"/>
-              <a:t>2021-04-19</a:t>
+              <a:t>2021-04-23</a:t>
             </a:fld>
             <a:endParaRPr lang="ko-KR" altLang="en-US"/>
           </a:p>
@@ -1167,7 +1167,7 @@
           <a:p>
             <a:fld id="{DC7722E0-DBAF-41AB-A48E-41897003609A}" type="datetimeFigureOut">
               <a:rPr lang="ko-KR" altLang="en-US" smtClean="0"/>
-              <a:t>2021-04-19</a:t>
+              <a:t>2021-04-23</a:t>
             </a:fld>
             <a:endParaRPr lang="ko-KR" altLang="en-US"/>
           </a:p>
@@ -1432,7 +1432,7 @@
           <a:p>
             <a:fld id="{DC7722E0-DBAF-41AB-A48E-41897003609A}" type="datetimeFigureOut">
               <a:rPr lang="ko-KR" altLang="en-US" smtClean="0"/>
-              <a:t>2021-04-19</a:t>
+              <a:t>2021-04-23</a:t>
             </a:fld>
             <a:endParaRPr lang="ko-KR" altLang="en-US"/>
           </a:p>
@@ -1844,7 +1844,7 @@
           <a:p>
             <a:fld id="{DC7722E0-DBAF-41AB-A48E-41897003609A}" type="datetimeFigureOut">
               <a:rPr lang="ko-KR" altLang="en-US" smtClean="0"/>
-              <a:t>2021-04-19</a:t>
+              <a:t>2021-04-23</a:t>
             </a:fld>
             <a:endParaRPr lang="ko-KR" altLang="en-US"/>
           </a:p>
@@ -1985,7 +1985,7 @@
           <a:p>
             <a:fld id="{DC7722E0-DBAF-41AB-A48E-41897003609A}" type="datetimeFigureOut">
               <a:rPr lang="ko-KR" altLang="en-US" smtClean="0"/>
-              <a:t>2021-04-19</a:t>
+              <a:t>2021-04-23</a:t>
             </a:fld>
             <a:endParaRPr lang="ko-KR" altLang="en-US"/>
           </a:p>
@@ -2098,7 +2098,7 @@
           <a:p>
             <a:fld id="{DC7722E0-DBAF-41AB-A48E-41897003609A}" type="datetimeFigureOut">
               <a:rPr lang="ko-KR" altLang="en-US" smtClean="0"/>
-              <a:t>2021-04-19</a:t>
+              <a:t>2021-04-23</a:t>
             </a:fld>
             <a:endParaRPr lang="ko-KR" altLang="en-US"/>
           </a:p>
@@ -2409,7 +2409,7 @@
           <a:p>
             <a:fld id="{DC7722E0-DBAF-41AB-A48E-41897003609A}" type="datetimeFigureOut">
               <a:rPr lang="ko-KR" altLang="en-US" smtClean="0"/>
-              <a:t>2021-04-19</a:t>
+              <a:t>2021-04-23</a:t>
             </a:fld>
             <a:endParaRPr lang="ko-KR" altLang="en-US"/>
           </a:p>
@@ -2697,7 +2697,7 @@
           <a:p>
             <a:fld id="{DC7722E0-DBAF-41AB-A48E-41897003609A}" type="datetimeFigureOut">
               <a:rPr lang="ko-KR" altLang="en-US" smtClean="0"/>
-              <a:t>2021-04-19</a:t>
+              <a:t>2021-04-23</a:t>
             </a:fld>
             <a:endParaRPr lang="ko-KR" altLang="en-US"/>
           </a:p>
@@ -2938,7 +2938,7 @@
           <a:p>
             <a:fld id="{DC7722E0-DBAF-41AB-A48E-41897003609A}" type="datetimeFigureOut">
               <a:rPr lang="ko-KR" altLang="en-US" smtClean="0"/>
-              <a:t>2021-04-19</a:t>
+              <a:t>2021-04-23</a:t>
             </a:fld>
             <a:endParaRPr lang="ko-KR" altLang="en-US"/>
           </a:p>
@@ -3384,8 +3384,8 @@
         </p:blipFill>
         <p:spPr bwMode="auto">
           <a:xfrm>
-            <a:off x="626218" y="883090"/>
-            <a:ext cx="7048500" cy="5286375"/>
+            <a:off x="1728247" y="153185"/>
+            <a:ext cx="8735505" cy="6551629"/>
           </a:xfrm>
           <a:prstGeom prst="rect">
             <a:avLst/>
@@ -3906,8 +3906,8 @@
         </p:blipFill>
         <p:spPr>
           <a:xfrm>
-            <a:off x="2286000" y="2047875"/>
-            <a:ext cx="7620000" cy="2762250"/>
+            <a:off x="911123" y="1991314"/>
+            <a:ext cx="10369754" cy="3759036"/>
           </a:xfrm>
           <a:prstGeom prst="rect">
             <a:avLst/>
@@ -4146,8 +4146,8 @@
         </p:blipFill>
         <p:spPr>
           <a:xfrm>
-            <a:off x="3933825" y="361950"/>
-            <a:ext cx="4324350" cy="6134100"/>
+            <a:off x="2922310" y="-523729"/>
+            <a:ext cx="5203890" cy="7381729"/>
           </a:xfrm>
           <a:prstGeom prst="rect">
             <a:avLst/>
